--- a/thesis/references/Visualizations.pptx
+++ b/thesis/references/Visualizations.pptx
@@ -278,7 +278,7 @@
           <a:p>
             <a:fld id="{6699013D-A4EE-48DE-98C9-B10BF44144C0}" type="datetimeFigureOut">
               <a:rPr lang="LID4096" smtClean="0"/>
-              <a:t>01/29/2018</a:t>
+              <a:t>01/31/2018</a:t>
             </a:fld>
             <a:endParaRPr lang="LID4096"/>
           </a:p>
@@ -332,7 +332,7 @@
           <a:p>
             <a:fld id="{DFD37691-6950-4BCA-B792-6C62AE179915}" type="slidenum">
               <a:rPr lang="LID4096" smtClean="0"/>
-              <a:t>‹Nr.›</a:t>
+              <a:t>‹#›</a:t>
             </a:fld>
             <a:endParaRPr lang="LID4096"/>
           </a:p>
@@ -478,7 +478,7 @@
           <a:p>
             <a:fld id="{6699013D-A4EE-48DE-98C9-B10BF44144C0}" type="datetimeFigureOut">
               <a:rPr lang="LID4096" smtClean="0"/>
-              <a:t>01/29/2018</a:t>
+              <a:t>01/31/2018</a:t>
             </a:fld>
             <a:endParaRPr lang="LID4096"/>
           </a:p>
@@ -532,7 +532,7 @@
           <a:p>
             <a:fld id="{DFD37691-6950-4BCA-B792-6C62AE179915}" type="slidenum">
               <a:rPr lang="LID4096" smtClean="0"/>
-              <a:t>‹Nr.›</a:t>
+              <a:t>‹#›</a:t>
             </a:fld>
             <a:endParaRPr lang="LID4096"/>
           </a:p>
@@ -688,7 +688,7 @@
           <a:p>
             <a:fld id="{6699013D-A4EE-48DE-98C9-B10BF44144C0}" type="datetimeFigureOut">
               <a:rPr lang="LID4096" smtClean="0"/>
-              <a:t>01/29/2018</a:t>
+              <a:t>01/31/2018</a:t>
             </a:fld>
             <a:endParaRPr lang="LID4096"/>
           </a:p>
@@ -742,7 +742,7 @@
           <a:p>
             <a:fld id="{DFD37691-6950-4BCA-B792-6C62AE179915}" type="slidenum">
               <a:rPr lang="LID4096" smtClean="0"/>
-              <a:t>‹Nr.›</a:t>
+              <a:t>‹#›</a:t>
             </a:fld>
             <a:endParaRPr lang="LID4096"/>
           </a:p>
@@ -888,7 +888,7 @@
           <a:p>
             <a:fld id="{6699013D-A4EE-48DE-98C9-B10BF44144C0}" type="datetimeFigureOut">
               <a:rPr lang="LID4096" smtClean="0"/>
-              <a:t>01/29/2018</a:t>
+              <a:t>01/31/2018</a:t>
             </a:fld>
             <a:endParaRPr lang="LID4096"/>
           </a:p>
@@ -942,7 +942,7 @@
           <a:p>
             <a:fld id="{DFD37691-6950-4BCA-B792-6C62AE179915}" type="slidenum">
               <a:rPr lang="LID4096" smtClean="0"/>
-              <a:t>‹Nr.›</a:t>
+              <a:t>‹#›</a:t>
             </a:fld>
             <a:endParaRPr lang="LID4096"/>
           </a:p>
@@ -1164,7 +1164,7 @@
           <a:p>
             <a:fld id="{6699013D-A4EE-48DE-98C9-B10BF44144C0}" type="datetimeFigureOut">
               <a:rPr lang="LID4096" smtClean="0"/>
-              <a:t>01/29/2018</a:t>
+              <a:t>01/31/2018</a:t>
             </a:fld>
             <a:endParaRPr lang="LID4096"/>
           </a:p>
@@ -1218,7 +1218,7 @@
           <a:p>
             <a:fld id="{DFD37691-6950-4BCA-B792-6C62AE179915}" type="slidenum">
               <a:rPr lang="LID4096" smtClean="0"/>
-              <a:t>‹Nr.›</a:t>
+              <a:t>‹#›</a:t>
             </a:fld>
             <a:endParaRPr lang="LID4096"/>
           </a:p>
@@ -1432,7 +1432,7 @@
           <a:p>
             <a:fld id="{6699013D-A4EE-48DE-98C9-B10BF44144C0}" type="datetimeFigureOut">
               <a:rPr lang="LID4096" smtClean="0"/>
-              <a:t>01/29/2018</a:t>
+              <a:t>01/31/2018</a:t>
             </a:fld>
             <a:endParaRPr lang="LID4096"/>
           </a:p>
@@ -1486,7 +1486,7 @@
           <a:p>
             <a:fld id="{DFD37691-6950-4BCA-B792-6C62AE179915}" type="slidenum">
               <a:rPr lang="LID4096" smtClean="0"/>
-              <a:t>‹Nr.›</a:t>
+              <a:t>‹#›</a:t>
             </a:fld>
             <a:endParaRPr lang="LID4096"/>
           </a:p>
@@ -1847,7 +1847,7 @@
           <a:p>
             <a:fld id="{6699013D-A4EE-48DE-98C9-B10BF44144C0}" type="datetimeFigureOut">
               <a:rPr lang="LID4096" smtClean="0"/>
-              <a:t>01/29/2018</a:t>
+              <a:t>01/31/2018</a:t>
             </a:fld>
             <a:endParaRPr lang="LID4096"/>
           </a:p>
@@ -1901,7 +1901,7 @@
           <a:p>
             <a:fld id="{DFD37691-6950-4BCA-B792-6C62AE179915}" type="slidenum">
               <a:rPr lang="LID4096" smtClean="0"/>
-              <a:t>‹Nr.›</a:t>
+              <a:t>‹#›</a:t>
             </a:fld>
             <a:endParaRPr lang="LID4096"/>
           </a:p>
@@ -1989,7 +1989,7 @@
           <a:p>
             <a:fld id="{6699013D-A4EE-48DE-98C9-B10BF44144C0}" type="datetimeFigureOut">
               <a:rPr lang="LID4096" smtClean="0"/>
-              <a:t>01/29/2018</a:t>
+              <a:t>01/31/2018</a:t>
             </a:fld>
             <a:endParaRPr lang="LID4096"/>
           </a:p>
@@ -2043,7 +2043,7 @@
           <a:p>
             <a:fld id="{DFD37691-6950-4BCA-B792-6C62AE179915}" type="slidenum">
               <a:rPr lang="LID4096" smtClean="0"/>
-              <a:t>‹Nr.›</a:t>
+              <a:t>‹#›</a:t>
             </a:fld>
             <a:endParaRPr lang="LID4096"/>
           </a:p>
@@ -2102,7 +2102,7 @@
           <a:p>
             <a:fld id="{6699013D-A4EE-48DE-98C9-B10BF44144C0}" type="datetimeFigureOut">
               <a:rPr lang="LID4096" smtClean="0"/>
-              <a:t>01/29/2018</a:t>
+              <a:t>01/31/2018</a:t>
             </a:fld>
             <a:endParaRPr lang="LID4096"/>
           </a:p>
@@ -2156,7 +2156,7 @@
           <a:p>
             <a:fld id="{DFD37691-6950-4BCA-B792-6C62AE179915}" type="slidenum">
               <a:rPr lang="LID4096" smtClean="0"/>
-              <a:t>‹Nr.›</a:t>
+              <a:t>‹#›</a:t>
             </a:fld>
             <a:endParaRPr lang="LID4096"/>
           </a:p>
@@ -2415,7 +2415,7 @@
           <a:p>
             <a:fld id="{6699013D-A4EE-48DE-98C9-B10BF44144C0}" type="datetimeFigureOut">
               <a:rPr lang="LID4096" smtClean="0"/>
-              <a:t>01/29/2018</a:t>
+              <a:t>01/31/2018</a:t>
             </a:fld>
             <a:endParaRPr lang="LID4096"/>
           </a:p>
@@ -2469,7 +2469,7 @@
           <a:p>
             <a:fld id="{DFD37691-6950-4BCA-B792-6C62AE179915}" type="slidenum">
               <a:rPr lang="LID4096" smtClean="0"/>
-              <a:t>‹Nr.›</a:t>
+              <a:t>‹#›</a:t>
             </a:fld>
             <a:endParaRPr lang="LID4096"/>
           </a:p>
@@ -2704,7 +2704,7 @@
           <a:p>
             <a:fld id="{6699013D-A4EE-48DE-98C9-B10BF44144C0}" type="datetimeFigureOut">
               <a:rPr lang="LID4096" smtClean="0"/>
-              <a:t>01/29/2018</a:t>
+              <a:t>01/31/2018</a:t>
             </a:fld>
             <a:endParaRPr lang="LID4096"/>
           </a:p>
@@ -2758,7 +2758,7 @@
           <a:p>
             <a:fld id="{DFD37691-6950-4BCA-B792-6C62AE179915}" type="slidenum">
               <a:rPr lang="LID4096" smtClean="0"/>
-              <a:t>‹Nr.›</a:t>
+              <a:t>‹#›</a:t>
             </a:fld>
             <a:endParaRPr lang="LID4096"/>
           </a:p>
@@ -2947,7 +2947,7 @@
           <a:p>
             <a:fld id="{6699013D-A4EE-48DE-98C9-B10BF44144C0}" type="datetimeFigureOut">
               <a:rPr lang="LID4096" smtClean="0"/>
-              <a:t>01/29/2018</a:t>
+              <a:t>01/31/2018</a:t>
             </a:fld>
             <a:endParaRPr lang="LID4096"/>
           </a:p>
@@ -3037,7 +3037,7 @@
           <a:p>
             <a:fld id="{DFD37691-6950-4BCA-B792-6C62AE179915}" type="slidenum">
               <a:rPr lang="LID4096" smtClean="0"/>
-              <a:t>‹Nr.›</a:t>
+              <a:t>‹#›</a:t>
             </a:fld>
             <a:endParaRPr lang="LID4096"/>
           </a:p>
@@ -4510,7 +4510,7 @@
                         </a:solidFill>
                         <a:latin typeface="+mj-lt"/>
                       </a:rPr>
-                      <a:t>t - 61</a:t>
+                      <a:t>t – 61 days</a:t>
                     </a:r>
                     <a:endParaRPr lang="LID4096" sz="800" dirty="0">
                       <a:solidFill>
@@ -5560,7 +5560,7 @@
                         </a:solidFill>
                         <a:latin typeface="+mj-lt"/>
                       </a:rPr>
-                      <a:t>t - 2</a:t>
+                      <a:t>t – 2 days</a:t>
                     </a:r>
                     <a:endParaRPr lang="LID4096" sz="800" dirty="0">
                       <a:solidFill>
@@ -5655,7 +5655,7 @@
                     </a:solidFill>
                     <a:latin typeface="+mj-lt"/>
                   </a:rPr>
-                  <a:t>Sequence of length 60 with offset 2</a:t>
+                  <a:t>Sequence of length 60 with an offset of 2 days</a:t>
                 </a:r>
                 <a:endParaRPr lang="LID4096" sz="1050" dirty="0">
                   <a:solidFill>
@@ -6111,7 +6111,7 @@
                 </a:solidFill>
                 <a:latin typeface="+mj-lt"/>
               </a:rPr>
-              <a:t>t - 60</a:t>
+              <a:t>t – 60 days</a:t>
             </a:r>
             <a:endParaRPr lang="LID4096" sz="800" dirty="0">
               <a:solidFill>
@@ -6844,7 +6844,7 @@
                 </a:solidFill>
                 <a:latin typeface="+mj-lt"/>
               </a:rPr>
-              <a:t>t - 1</a:t>
+              <a:t>t – 1 day</a:t>
             </a:r>
             <a:endParaRPr lang="LID4096" sz="800" dirty="0">
               <a:solidFill>
@@ -6937,7 +6937,7 @@
                 </a:solidFill>
                 <a:latin typeface="+mj-lt"/>
               </a:rPr>
-              <a:t>Sequence of length 60 with offset 2</a:t>
+              <a:t>Sequence of length 60 with an offset of 1 day</a:t>
             </a:r>
             <a:endParaRPr lang="LID4096" sz="1050" dirty="0">
               <a:solidFill>
@@ -10026,49 +10026,13 @@
           <a:p>
             <a:pPr algn="ctr"/>
             <a:r>
-              <a:rPr lang="de-CH" sz="1200" dirty="0" err="1">
-                <a:solidFill>
-                  <a:schemeClr val="bg1"/>
-                </a:solidFill>
-                <a:latin typeface="+mj-lt"/>
-              </a:rPr>
-              <a:t>Exemplary</a:t>
-            </a:r>
-            <a:r>
               <a:rPr lang="de-CH" sz="1200" dirty="0">
                 <a:solidFill>
                   <a:schemeClr val="bg1"/>
                 </a:solidFill>
                 <a:latin typeface="+mj-lt"/>
               </a:rPr>
-              <a:t> </a:t>
-            </a:r>
-            <a:r>
-              <a:rPr lang="de-CH" sz="1200" dirty="0" err="1">
-                <a:solidFill>
-                  <a:schemeClr val="bg1"/>
-                </a:solidFill>
-                <a:latin typeface="+mj-lt"/>
-              </a:rPr>
-              <a:t>training</a:t>
-            </a:r>
-            <a:r>
-              <a:rPr lang="de-CH" sz="1200" dirty="0">
-                <a:solidFill>
-                  <a:schemeClr val="bg1"/>
-                </a:solidFill>
-                <a:latin typeface="+mj-lt"/>
-              </a:rPr>
-              <a:t> </a:t>
-            </a:r>
-            <a:r>
-              <a:rPr lang="de-CH" sz="1200" dirty="0" err="1">
-                <a:solidFill>
-                  <a:schemeClr val="bg1"/>
-                </a:solidFill>
-                <a:latin typeface="+mj-lt"/>
-              </a:rPr>
-              <a:t>sequence</a:t>
+              <a:t>Exemplary test sequence</a:t>
             </a:r>
             <a:endParaRPr lang="LID4096" sz="1200" dirty="0">
               <a:solidFill>
